--- a/print/precal_10_2.pptx
+++ b/print/precal_10_2.pptx
@@ -5420,7 +5420,7 @@
                 </a:defRPr>
               </a:pPr>
               <a:r>
-                <a:t>Do now</a:t>
+                <a:t>Retake/Pyret</a:t>
               </a:r>
             </a:p>
             <a:p>
@@ -5464,8 +5464,8 @@
         </p:nvSpPr>
         <p:spPr>
           <a:xfrm>
-            <a:off x="4617536" y="1362133"/>
-            <a:ext cx="3132427" cy="1597148"/>
+            <a:off x="4617536" y="1362134"/>
+            <a:ext cx="3132427" cy="1597147"/>
           </a:xfrm>
           <a:prstGeom prst="rect">
             <a:avLst/>
@@ -7643,8 +7643,8 @@
       </p:par>
     </p:tnLst>
     <p:bldLst>
+      <p:bldP build="whole" bldLvl="1" animBg="1" rev="0" advAuto="0" spid="205" grpId="2"/>
       <p:bldP build="p" bldLvl="5" animBg="1" rev="0" advAuto="0" spid="204" grpId="1"/>
-      <p:bldP build="whole" bldLvl="1" animBg="1" rev="0" advAuto="0" spid="205" grpId="2"/>
     </p:bldLst>
   </p:timing>
 </p:sld>
